--- a/presentation.pptx
+++ b/presentation.pptx
@@ -7,17 +7,13 @@
   <p:sldIdLst>
     <p:sldId id="256" r:id="rId2"/>
     <p:sldId id="257" r:id="rId3"/>
-    <p:sldId id="258" r:id="rId4"/>
-    <p:sldId id="259" r:id="rId5"/>
-    <p:sldId id="260" r:id="rId6"/>
-    <p:sldId id="261" r:id="rId7"/>
-    <p:sldId id="263" r:id="rId8"/>
-    <p:sldId id="262" r:id="rId9"/>
-    <p:sldId id="264" r:id="rId10"/>
-    <p:sldId id="265" r:id="rId11"/>
-    <p:sldId id="266" r:id="rId12"/>
-    <p:sldId id="267" r:id="rId13"/>
-    <p:sldId id="268" r:id="rId14"/>
+    <p:sldId id="269" r:id="rId4"/>
+    <p:sldId id="258" r:id="rId5"/>
+    <p:sldId id="262" r:id="rId6"/>
+    <p:sldId id="264" r:id="rId7"/>
+    <p:sldId id="265" r:id="rId8"/>
+    <p:sldId id="267" r:id="rId9"/>
+    <p:sldId id="268" r:id="rId10"/>
   </p:sldIdLst>
   <p:sldSz cx="12192000" cy="6858000"/>
   <p:notesSz cx="6858000" cy="9144000"/>
@@ -116,6 +112,11 @@
       </a:defRPr>
     </a:lvl9pPr>
   </p:defaultTextStyle>
+  <p:extLst>
+    <p:ext uri="{EFAFB233-063F-42B5-8137-9DF3F51BA10A}">
+      <p15:sldGuideLst xmlns:p15="http://schemas.microsoft.com/office/powerpoint/2012/main"/>
+    </p:ext>
+  </p:extLst>
 </p:presentation>
 </file>
 
@@ -842,7 +843,7 @@
             <a:fld id="{B61BEF0D-F0BB-DE4B-95CE-6DB70DBA9567}" type="datetimeFigureOut">
               <a:rPr lang="en-US" dirty="0"/>
               <a:pPr/>
-              <a:t>2/24/2017</a:t>
+              <a:t>3/1/2017</a:t>
             </a:fld>
             <a:endParaRPr lang="en-US" dirty="0"/>
           </a:p>
@@ -1090,7 +1091,7 @@
             <a:fld id="{B61BEF0D-F0BB-DE4B-95CE-6DB70DBA9567}" type="datetimeFigureOut">
               <a:rPr lang="en-US" dirty="0"/>
               <a:pPr/>
-              <a:t>2/24/2017</a:t>
+              <a:t>3/1/2017</a:t>
             </a:fld>
             <a:endParaRPr lang="en-US" dirty="0"/>
           </a:p>
@@ -1401,7 +1402,7 @@
             <a:fld id="{B61BEF0D-F0BB-DE4B-95CE-6DB70DBA9567}" type="datetimeFigureOut">
               <a:rPr lang="en-US" dirty="0"/>
               <a:pPr/>
-              <a:t>2/24/2017</a:t>
+              <a:t>3/1/2017</a:t>
             </a:fld>
             <a:endParaRPr lang="en-US" dirty="0"/>
           </a:p>
@@ -1739,7 +1740,7 @@
             <a:fld id="{B61BEF0D-F0BB-DE4B-95CE-6DB70DBA9567}" type="datetimeFigureOut">
               <a:rPr lang="en-US" dirty="0"/>
               <a:pPr/>
-              <a:t>2/24/2017</a:t>
+              <a:t>3/1/2017</a:t>
             </a:fld>
             <a:endParaRPr lang="en-US" dirty="0"/>
           </a:p>
@@ -2050,7 +2051,7 @@
             <a:fld id="{B61BEF0D-F0BB-DE4B-95CE-6DB70DBA9567}" type="datetimeFigureOut">
               <a:rPr lang="en-US" dirty="0"/>
               <a:pPr/>
-              <a:t>2/24/2017</a:t>
+              <a:t>3/1/2017</a:t>
             </a:fld>
             <a:endParaRPr lang="en-US" dirty="0"/>
           </a:p>
@@ -2440,7 +2441,7 @@
             <a:fld id="{B61BEF0D-F0BB-DE4B-95CE-6DB70DBA9567}" type="datetimeFigureOut">
               <a:rPr lang="en-US" dirty="0"/>
               <a:pPr/>
-              <a:t>2/24/2017</a:t>
+              <a:t>3/1/2017</a:t>
             </a:fld>
             <a:endParaRPr lang="en-US" dirty="0"/>
           </a:p>
@@ -2606,7 +2607,7 @@
           <a:p>
             <a:fld id="{55C6B4A9-1611-4792-9094-5F34BCA07E0B}" type="datetimeFigureOut">
               <a:rPr lang="en-US" dirty="0"/>
-              <a:t>2/24/2017</a:t>
+              <a:t>3/1/2017</a:t>
             </a:fld>
             <a:endParaRPr lang="en-US" dirty="0"/>
           </a:p>
@@ -2782,7 +2783,7 @@
             <a:fld id="{B61BEF0D-F0BB-DE4B-95CE-6DB70DBA9567}" type="datetimeFigureOut">
               <a:rPr lang="en-US" dirty="0"/>
               <a:pPr/>
-              <a:t>2/24/2017</a:t>
+              <a:t>3/1/2017</a:t>
             </a:fld>
             <a:endParaRPr lang="en-US" dirty="0"/>
           </a:p>
@@ -2955,7 +2956,7 @@
             <a:fld id="{B61BEF0D-F0BB-DE4B-95CE-6DB70DBA9567}" type="datetimeFigureOut">
               <a:rPr lang="en-US" dirty="0"/>
               <a:pPr/>
-              <a:t>2/24/2017</a:t>
+              <a:t>3/1/2017</a:t>
             </a:fld>
             <a:endParaRPr lang="en-US" dirty="0"/>
           </a:p>
@@ -3199,7 +3200,7 @@
             <a:fld id="{B61BEF0D-F0BB-DE4B-95CE-6DB70DBA9567}" type="datetimeFigureOut">
               <a:rPr lang="en-US" dirty="0"/>
               <a:pPr/>
-              <a:t>2/24/2017</a:t>
+              <a:t>3/1/2017</a:t>
             </a:fld>
             <a:endParaRPr lang="en-US" dirty="0"/>
           </a:p>
@@ -3427,7 +3428,7 @@
           <a:p>
             <a:fld id="{EB712588-04B1-427B-82EE-E8DB90309F08}" type="datetimeFigureOut">
               <a:rPr lang="en-US" dirty="0"/>
-              <a:t>2/24/2017</a:t>
+              <a:t>3/1/2017</a:t>
             </a:fld>
             <a:endParaRPr lang="en-US" dirty="0"/>
           </a:p>
@@ -3797,7 +3798,7 @@
             <a:fld id="{B61BEF0D-F0BB-DE4B-95CE-6DB70DBA9567}" type="datetimeFigureOut">
               <a:rPr lang="en-US" dirty="0"/>
               <a:pPr/>
-              <a:t>2/24/2017</a:t>
+              <a:t>3/1/2017</a:t>
             </a:fld>
             <a:endParaRPr lang="en-US" dirty="0"/>
           </a:p>
@@ -3917,7 +3918,7 @@
             <a:fld id="{B61BEF0D-F0BB-DE4B-95CE-6DB70DBA9567}" type="datetimeFigureOut">
               <a:rPr lang="en-US" dirty="0"/>
               <a:pPr/>
-              <a:t>2/24/2017</a:t>
+              <a:t>3/1/2017</a:t>
             </a:fld>
             <a:endParaRPr lang="en-US" dirty="0"/>
           </a:p>
@@ -4009,7 +4010,7 @@
             <a:fld id="{B61BEF0D-F0BB-DE4B-95CE-6DB70DBA9567}" type="datetimeFigureOut">
               <a:rPr lang="en-US" dirty="0"/>
               <a:pPr/>
-              <a:t>2/24/2017</a:t>
+              <a:t>3/1/2017</a:t>
             </a:fld>
             <a:endParaRPr lang="en-US" dirty="0"/>
           </a:p>
@@ -4260,7 +4261,7 @@
           <a:p>
             <a:fld id="{42A54C80-263E-416B-A8E0-580EDEADCBDC}" type="datetimeFigureOut">
               <a:rPr lang="en-US" dirty="0"/>
-              <a:t>2/24/2017</a:t>
+              <a:t>3/1/2017</a:t>
             </a:fld>
             <a:endParaRPr lang="en-US" dirty="0"/>
           </a:p>
@@ -4519,7 +4520,7 @@
             <a:fld id="{B61BEF0D-F0BB-DE4B-95CE-6DB70DBA9567}" type="datetimeFigureOut">
               <a:rPr lang="en-US" dirty="0"/>
               <a:pPr/>
-              <a:t>2/24/2017</a:t>
+              <a:t>3/1/2017</a:t>
             </a:fld>
             <a:endParaRPr lang="en-US" dirty="0"/>
           </a:p>
@@ -5259,7 +5260,7 @@
             <a:fld id="{B61BEF0D-F0BB-DE4B-95CE-6DB70DBA9567}" type="datetimeFigureOut">
               <a:rPr lang="en-US" dirty="0"/>
               <a:pPr/>
-              <a:t>2/24/2017</a:t>
+              <a:t>3/1/2017</a:t>
             </a:fld>
             <a:endParaRPr lang="en-US" dirty="0"/>
           </a:p>
@@ -5838,645 +5839,6 @@
 </p:sld>
 </file>
 
-<file path=ppt/slides/slide10.xml><?xml version="1.0" encoding="utf-8"?>
-<p:sld xmlns:a="http://schemas.openxmlformats.org/drawingml/2006/main" xmlns:r="http://schemas.openxmlformats.org/officeDocument/2006/relationships" xmlns:p="http://schemas.openxmlformats.org/presentationml/2006/main">
-  <p:cSld>
-    <p:spTree>
-      <p:nvGrpSpPr>
-        <p:cNvPr id="1" name=""/>
-        <p:cNvGrpSpPr/>
-        <p:nvPr/>
-      </p:nvGrpSpPr>
-      <p:grpSpPr>
-        <a:xfrm>
-          <a:off x="0" y="0"/>
-          <a:ext cx="0" cy="0"/>
-          <a:chOff x="0" y="0"/>
-          <a:chExt cx="0" cy="0"/>
-        </a:xfrm>
-      </p:grpSpPr>
-      <p:sp>
-        <p:nvSpPr>
-          <p:cNvPr id="2" name="Title 1"/>
-          <p:cNvSpPr>
-            <a:spLocks noGrp="1"/>
-          </p:cNvSpPr>
-          <p:nvPr>
-            <p:ph type="title"/>
-          </p:nvPr>
-        </p:nvSpPr>
-        <p:spPr/>
-        <p:txBody>
-          <a:bodyPr/>
-          <a:lstStyle/>
-          <a:p>
-            <a:r>
-              <a:rPr lang="en-GB" dirty="0" smtClean="0"/>
-              <a:t>Function examples</a:t>
-            </a:r>
-            <a:endParaRPr lang="en-GB" dirty="0"/>
-          </a:p>
-        </p:txBody>
-      </p:sp>
-      <p:sp>
-        <p:nvSpPr>
-          <p:cNvPr id="3" name="Content Placeholder 2"/>
-          <p:cNvSpPr>
-            <a:spLocks noGrp="1"/>
-          </p:cNvSpPr>
-          <p:nvPr>
-            <p:ph idx="1"/>
-          </p:nvPr>
-        </p:nvSpPr>
-        <p:spPr/>
-        <p:txBody>
-          <a:bodyPr/>
-          <a:lstStyle/>
-          <a:p>
-            <a:r>
-              <a:rPr lang="en-GB" dirty="0" err="1" smtClean="0"/>
-              <a:t>size_t</a:t>
-            </a:r>
-            <a:r>
-              <a:rPr lang="en-GB" dirty="0" smtClean="0"/>
-              <a:t> pp::</a:t>
-            </a:r>
-            <a:r>
-              <a:rPr lang="en-GB" dirty="0" err="1" smtClean="0"/>
-              <a:t>get_num_of_members</a:t>
-            </a:r>
-            <a:r>
-              <a:rPr lang="en-GB" dirty="0" smtClean="0"/>
-              <a:t>(</a:t>
-            </a:r>
-            <a:r>
-              <a:rPr lang="en-GB" dirty="0" err="1" smtClean="0"/>
-              <a:t>StructType</a:t>
-            </a:r>
-            <a:r>
-              <a:rPr lang="en-GB" dirty="0" smtClean="0"/>
-              <a:t>);</a:t>
-            </a:r>
-          </a:p>
-          <a:p>
-            <a:r>
-              <a:rPr lang="en-GB" dirty="0" smtClean="0"/>
-              <a:t>char </a:t>
-            </a:r>
-            <a:r>
-              <a:rPr lang="en-GB" dirty="0" err="1" smtClean="0"/>
-              <a:t>const</a:t>
-            </a:r>
-            <a:r>
-              <a:rPr lang="en-GB" dirty="0" smtClean="0"/>
-              <a:t> *pp::</a:t>
-            </a:r>
-            <a:r>
-              <a:rPr lang="en-GB" dirty="0" err="1" smtClean="0"/>
-              <a:t>type_to_string</a:t>
-            </a:r>
-            <a:r>
-              <a:rPr lang="en-GB" dirty="0" smtClean="0"/>
-              <a:t>(</a:t>
-            </a:r>
-            <a:r>
-              <a:rPr lang="en-GB" dirty="0" err="1" smtClean="0"/>
-              <a:t>StructType</a:t>
-            </a:r>
-            <a:r>
-              <a:rPr lang="en-GB" dirty="0" smtClean="0"/>
-              <a:t>);</a:t>
-            </a:r>
-            <a:endParaRPr lang="en-GB" dirty="0"/>
-          </a:p>
-          <a:p>
-            <a:r>
-              <a:rPr lang="en-GB" dirty="0" smtClean="0"/>
-              <a:t>pp::print(</a:t>
-            </a:r>
-            <a:r>
-              <a:rPr lang="en-GB" dirty="0" err="1" smtClean="0"/>
-              <a:t>StructType</a:t>
-            </a:r>
-            <a:r>
-              <a:rPr lang="en-GB" dirty="0" smtClean="0"/>
-              <a:t>, char *buffer = NULL, </a:t>
-            </a:r>
-            <a:r>
-              <a:rPr lang="en-GB" dirty="0" err="1" smtClean="0"/>
-              <a:t>size_t</a:t>
-            </a:r>
-            <a:r>
-              <a:rPr lang="en-GB" dirty="0" smtClean="0"/>
-              <a:t> </a:t>
-            </a:r>
-            <a:r>
-              <a:rPr lang="en-GB" dirty="0" err="1" smtClean="0"/>
-              <a:t>buffer_size</a:t>
-            </a:r>
-            <a:r>
-              <a:rPr lang="en-GB" dirty="0" smtClean="0"/>
-              <a:t> = 0);</a:t>
-            </a:r>
-          </a:p>
-          <a:p>
-            <a:r>
-              <a:rPr lang="en-GB" dirty="0" err="1" smtClean="0"/>
-              <a:t>size_t</a:t>
-            </a:r>
-            <a:r>
-              <a:rPr lang="en-GB" dirty="0" smtClean="0"/>
-              <a:t> pp::</a:t>
-            </a:r>
-            <a:r>
-              <a:rPr lang="en-GB" dirty="0" err="1" smtClean="0"/>
-              <a:t>get_number_of_enum_elements</a:t>
-            </a:r>
-            <a:r>
-              <a:rPr lang="en-GB" dirty="0" smtClean="0"/>
-              <a:t>(</a:t>
-            </a:r>
-            <a:r>
-              <a:rPr lang="en-GB" dirty="0" err="1" smtClean="0"/>
-              <a:t>EnumType</a:t>
-            </a:r>
-            <a:r>
-              <a:rPr lang="en-GB" dirty="0" smtClean="0"/>
-              <a:t>);</a:t>
-            </a:r>
-          </a:p>
-          <a:p>
-            <a:r>
-              <a:rPr lang="en-GB" dirty="0" err="1" smtClean="0"/>
-              <a:t>EnumType</a:t>
-            </a:r>
-            <a:r>
-              <a:rPr lang="en-GB" dirty="0" smtClean="0"/>
-              <a:t> pp::</a:t>
-            </a:r>
-            <a:r>
-              <a:rPr lang="en-GB" dirty="0" err="1" smtClean="0"/>
-              <a:t>string_to_enum</a:t>
-            </a:r>
-            <a:r>
-              <a:rPr lang="en-GB" dirty="0" smtClean="0"/>
-              <a:t>(</a:t>
-            </a:r>
-            <a:r>
-              <a:rPr lang="en-GB" dirty="0" err="1" smtClean="0"/>
-              <a:t>EnumType</a:t>
-            </a:r>
-            <a:r>
-              <a:rPr lang="en-GB" dirty="0" smtClean="0"/>
-              <a:t>, char </a:t>
-            </a:r>
-            <a:r>
-              <a:rPr lang="en-GB" dirty="0" err="1" smtClean="0"/>
-              <a:t>const</a:t>
-            </a:r>
-            <a:r>
-              <a:rPr lang="en-GB" dirty="0" smtClean="0"/>
-              <a:t> *</a:t>
-            </a:r>
-            <a:r>
-              <a:rPr lang="en-GB" dirty="0" err="1" smtClean="0"/>
-              <a:t>str</a:t>
-            </a:r>
-            <a:r>
-              <a:rPr lang="en-GB" dirty="0" smtClean="0"/>
-              <a:t>);</a:t>
-            </a:r>
-          </a:p>
-          <a:p>
-            <a:r>
-              <a:rPr lang="en-GB" dirty="0" smtClean="0"/>
-              <a:t>char </a:t>
-            </a:r>
-            <a:r>
-              <a:rPr lang="en-GB" dirty="0" err="1" smtClean="0"/>
-              <a:t>const</a:t>
-            </a:r>
-            <a:r>
-              <a:rPr lang="en-GB" dirty="0" smtClean="0"/>
-              <a:t> *pp::</a:t>
-            </a:r>
-            <a:r>
-              <a:rPr lang="en-GB" dirty="0" err="1" smtClean="0"/>
-              <a:t>enum_to_string</a:t>
-            </a:r>
-            <a:r>
-              <a:rPr lang="en-GB" dirty="0" smtClean="0"/>
-              <a:t>(</a:t>
-            </a:r>
-            <a:r>
-              <a:rPr lang="en-GB" dirty="0" err="1" smtClean="0"/>
-              <a:t>EnumType</a:t>
-            </a:r>
-            <a:r>
-              <a:rPr lang="en-GB" dirty="0" smtClean="0"/>
-              <a:t>, </a:t>
-            </a:r>
-            <a:r>
-              <a:rPr lang="en-GB" dirty="0" err="1" smtClean="0"/>
-              <a:t>EnumType</a:t>
-            </a:r>
-            <a:r>
-              <a:rPr lang="en-GB" dirty="0" smtClean="0"/>
-              <a:t> element);</a:t>
-            </a:r>
-            <a:endParaRPr lang="en-GB" dirty="0"/>
-          </a:p>
-        </p:txBody>
-      </p:sp>
-    </p:spTree>
-    <p:extLst>
-      <p:ext uri="{BB962C8B-B14F-4D97-AF65-F5344CB8AC3E}">
-        <p14:creationId xmlns:p14="http://schemas.microsoft.com/office/powerpoint/2010/main" val="1035933829"/>
-      </p:ext>
-    </p:extLst>
-  </p:cSld>
-  <p:clrMapOvr>
-    <a:masterClrMapping/>
-  </p:clrMapOvr>
-</p:sld>
-</file>
-
-<file path=ppt/slides/slide11.xml><?xml version="1.0" encoding="utf-8"?>
-<p:sld xmlns:a="http://schemas.openxmlformats.org/drawingml/2006/main" xmlns:r="http://schemas.openxmlformats.org/officeDocument/2006/relationships" xmlns:p="http://schemas.openxmlformats.org/presentationml/2006/main">
-  <p:cSld>
-    <p:spTree>
-      <p:nvGrpSpPr>
-        <p:cNvPr id="1" name=""/>
-        <p:cNvGrpSpPr/>
-        <p:nvPr/>
-      </p:nvGrpSpPr>
-      <p:grpSpPr>
-        <a:xfrm>
-          <a:off x="0" y="0"/>
-          <a:ext cx="0" cy="0"/>
-          <a:chOff x="0" y="0"/>
-          <a:chExt cx="0" cy="0"/>
-        </a:xfrm>
-      </p:grpSpPr>
-      <p:sp>
-        <p:nvSpPr>
-          <p:cNvPr id="2" name="Title 1"/>
-          <p:cNvSpPr>
-            <a:spLocks noGrp="1"/>
-          </p:cNvSpPr>
-          <p:nvPr>
-            <p:ph type="title"/>
-          </p:nvPr>
-        </p:nvSpPr>
-        <p:spPr/>
-        <p:txBody>
-          <a:bodyPr/>
-          <a:lstStyle/>
-          <a:p>
-            <a:r>
-              <a:rPr lang="en-GB" dirty="0" smtClean="0"/>
-              <a:t>Standard Template Library</a:t>
-            </a:r>
-            <a:endParaRPr lang="en-GB" dirty="0"/>
-          </a:p>
-        </p:txBody>
-      </p:sp>
-      <p:sp>
-        <p:nvSpPr>
-          <p:cNvPr id="3" name="Content Placeholder 2"/>
-          <p:cNvSpPr>
-            <a:spLocks noGrp="1"/>
-          </p:cNvSpPr>
-          <p:nvPr>
-            <p:ph idx="1"/>
-          </p:nvPr>
-        </p:nvSpPr>
-        <p:spPr/>
-        <p:txBody>
-          <a:bodyPr/>
-          <a:lstStyle/>
-          <a:p>
-            <a:r>
-              <a:rPr lang="en-GB" dirty="0" smtClean="0"/>
-              <a:t>It is useful to be able to serialize standard template library code. An example would be:</a:t>
-            </a:r>
-          </a:p>
-          <a:p>
-            <a:pPr lvl="1"/>
-            <a:r>
-              <a:rPr lang="en-GB" i="1" dirty="0" err="1" smtClean="0"/>
-              <a:t>std</a:t>
-            </a:r>
-            <a:r>
-              <a:rPr lang="en-GB" i="1" dirty="0" smtClean="0"/>
-              <a:t>::vector&lt;</a:t>
-            </a:r>
-            <a:r>
-              <a:rPr lang="en-GB" i="1" dirty="0" err="1" smtClean="0"/>
-              <a:t>int</a:t>
-            </a:r>
-            <a:r>
-              <a:rPr lang="en-GB" i="1" dirty="0" smtClean="0"/>
-              <a:t>&gt; </a:t>
-            </a:r>
-            <a:r>
-              <a:rPr lang="en-GB" i="1" dirty="0" err="1" smtClean="0"/>
-              <a:t>ints</a:t>
-            </a:r>
-            <a:r>
-              <a:rPr lang="en-GB" i="1" dirty="0" smtClean="0"/>
-              <a:t> = {1, 2, 3};</a:t>
-            </a:r>
-          </a:p>
-          <a:p>
-            <a:pPr lvl="1"/>
-            <a:r>
-              <a:rPr lang="en-GB" i="1" dirty="0" smtClean="0"/>
-              <a:t>pp::print(</a:t>
-            </a:r>
-            <a:r>
-              <a:rPr lang="en-GB" i="1" dirty="0" err="1" smtClean="0"/>
-              <a:t>ints</a:t>
-            </a:r>
-            <a:r>
-              <a:rPr lang="en-GB" i="1" dirty="0" smtClean="0"/>
-              <a:t>);</a:t>
-            </a:r>
-          </a:p>
-          <a:p>
-            <a:endParaRPr lang="en-GB" i="1" dirty="0"/>
-          </a:p>
-          <a:p>
-            <a:r>
-              <a:rPr lang="en-GB" dirty="0" smtClean="0"/>
-              <a:t>Supported containers</a:t>
-            </a:r>
-          </a:p>
-          <a:p>
-            <a:pPr lvl="1"/>
-            <a:r>
-              <a:rPr lang="en-GB" dirty="0" err="1"/>
-              <a:t>s</a:t>
-            </a:r>
-            <a:r>
-              <a:rPr lang="en-GB" dirty="0" err="1" smtClean="0"/>
-              <a:t>td</a:t>
-            </a:r>
-            <a:r>
-              <a:rPr lang="en-GB" dirty="0" smtClean="0"/>
-              <a:t>::vector</a:t>
-            </a:r>
-          </a:p>
-          <a:p>
-            <a:pPr lvl="1"/>
-            <a:r>
-              <a:rPr lang="en-GB" dirty="0" err="1"/>
-              <a:t>s</a:t>
-            </a:r>
-            <a:r>
-              <a:rPr lang="en-GB" dirty="0" err="1" smtClean="0"/>
-              <a:t>td</a:t>
-            </a:r>
-            <a:r>
-              <a:rPr lang="en-GB" dirty="0" smtClean="0"/>
-              <a:t>::</a:t>
-            </a:r>
-            <a:r>
-              <a:rPr lang="en-GB" dirty="0" err="1" smtClean="0"/>
-              <a:t>deque</a:t>
-            </a:r>
-            <a:endParaRPr lang="en-GB" dirty="0" smtClean="0"/>
-          </a:p>
-          <a:p>
-            <a:pPr lvl="1"/>
-            <a:r>
-              <a:rPr lang="en-GB" dirty="0" err="1"/>
-              <a:t>s</a:t>
-            </a:r>
-            <a:r>
-              <a:rPr lang="en-GB" dirty="0" err="1" smtClean="0"/>
-              <a:t>td</a:t>
-            </a:r>
-            <a:r>
-              <a:rPr lang="en-GB" dirty="0" smtClean="0"/>
-              <a:t>::</a:t>
-            </a:r>
-            <a:r>
-              <a:rPr lang="en-GB" dirty="0" err="1" smtClean="0"/>
-              <a:t>forward_list</a:t>
-            </a:r>
-            <a:endParaRPr lang="en-GB" dirty="0" smtClean="0"/>
-          </a:p>
-          <a:p>
-            <a:pPr lvl="1"/>
-            <a:r>
-              <a:rPr lang="en-GB" dirty="0" err="1" smtClean="0"/>
-              <a:t>std</a:t>
-            </a:r>
-            <a:r>
-              <a:rPr lang="en-GB" dirty="0" smtClean="0"/>
-              <a:t>::list</a:t>
-            </a:r>
-          </a:p>
-        </p:txBody>
-      </p:sp>
-    </p:spTree>
-    <p:extLst>
-      <p:ext uri="{BB962C8B-B14F-4D97-AF65-F5344CB8AC3E}">
-        <p14:creationId xmlns:p14="http://schemas.microsoft.com/office/powerpoint/2010/main" val="3499439286"/>
-      </p:ext>
-    </p:extLst>
-  </p:cSld>
-  <p:clrMapOvr>
-    <a:masterClrMapping/>
-  </p:clrMapOvr>
-</p:sld>
-</file>
-
-<file path=ppt/slides/slide12.xml><?xml version="1.0" encoding="utf-8"?>
-<p:sld xmlns:a="http://schemas.openxmlformats.org/drawingml/2006/main" xmlns:r="http://schemas.openxmlformats.org/officeDocument/2006/relationships" xmlns:p="http://schemas.openxmlformats.org/presentationml/2006/main">
-  <p:cSld>
-    <p:spTree>
-      <p:nvGrpSpPr>
-        <p:cNvPr id="1" name=""/>
-        <p:cNvGrpSpPr/>
-        <p:nvPr/>
-      </p:nvGrpSpPr>
-      <p:grpSpPr>
-        <a:xfrm>
-          <a:off x="0" y="0"/>
-          <a:ext cx="0" cy="0"/>
-          <a:chOff x="0" y="0"/>
-          <a:chExt cx="0" cy="0"/>
-        </a:xfrm>
-      </p:grpSpPr>
-      <p:sp>
-        <p:nvSpPr>
-          <p:cNvPr id="2" name="Title 1"/>
-          <p:cNvSpPr>
-            <a:spLocks noGrp="1"/>
-          </p:cNvSpPr>
-          <p:nvPr>
-            <p:ph type="title"/>
-          </p:nvPr>
-        </p:nvSpPr>
-        <p:spPr/>
-        <p:txBody>
-          <a:bodyPr/>
-          <a:lstStyle/>
-          <a:p>
-            <a:r>
-              <a:rPr lang="en-GB" dirty="0" smtClean="0"/>
-              <a:t>Further work</a:t>
-            </a:r>
-            <a:endParaRPr lang="en-GB" dirty="0"/>
-          </a:p>
-        </p:txBody>
-      </p:sp>
-      <p:sp>
-        <p:nvSpPr>
-          <p:cNvPr id="3" name="Content Placeholder 2"/>
-          <p:cNvSpPr>
-            <a:spLocks noGrp="1"/>
-          </p:cNvSpPr>
-          <p:nvPr>
-            <p:ph idx="1"/>
-          </p:nvPr>
-        </p:nvSpPr>
-        <p:spPr/>
-        <p:txBody>
-          <a:bodyPr/>
-          <a:lstStyle/>
-          <a:p>
-            <a:r>
-              <a:rPr lang="en-GB" dirty="0" smtClean="0"/>
-              <a:t>Function introspection</a:t>
-            </a:r>
-          </a:p>
-          <a:p>
-            <a:pPr lvl="1"/>
-            <a:r>
-              <a:rPr lang="en-GB" dirty="0" smtClean="0"/>
-              <a:t>Query return type, parameter count, etc.</a:t>
-            </a:r>
-          </a:p>
-          <a:p>
-            <a:r>
-              <a:rPr lang="en-GB" dirty="0" smtClean="0"/>
-              <a:t>Support more STL types.</a:t>
-            </a:r>
-          </a:p>
-          <a:p>
-            <a:r>
-              <a:rPr lang="en-GB" dirty="0" smtClean="0"/>
-              <a:t>Support custom containers</a:t>
-            </a:r>
-          </a:p>
-          <a:p>
-            <a:pPr lvl="1"/>
-            <a:r>
-              <a:rPr lang="en-GB" dirty="0" smtClean="0"/>
-              <a:t>Should be possible for simple containers which only take one template parameter, the type.</a:t>
-            </a:r>
-          </a:p>
-          <a:p>
-            <a:pPr lvl="1"/>
-            <a:r>
-              <a:rPr lang="en-GB" dirty="0" smtClean="0"/>
-              <a:t>And define member functions necessary for the C++11 range-based for loops.</a:t>
-            </a:r>
-          </a:p>
-        </p:txBody>
-      </p:sp>
-    </p:spTree>
-    <p:extLst>
-      <p:ext uri="{BB962C8B-B14F-4D97-AF65-F5344CB8AC3E}">
-        <p14:creationId xmlns:p14="http://schemas.microsoft.com/office/powerpoint/2010/main" val="2953848761"/>
-      </p:ext>
-    </p:extLst>
-  </p:cSld>
-  <p:clrMapOvr>
-    <a:masterClrMapping/>
-  </p:clrMapOvr>
-</p:sld>
-</file>
-
-<file path=ppt/slides/slide13.xml><?xml version="1.0" encoding="utf-8"?>
-<p:sld xmlns:a="http://schemas.openxmlformats.org/drawingml/2006/main" xmlns:r="http://schemas.openxmlformats.org/officeDocument/2006/relationships" xmlns:p="http://schemas.openxmlformats.org/presentationml/2006/main">
-  <p:cSld>
-    <p:spTree>
-      <p:nvGrpSpPr>
-        <p:cNvPr id="1" name=""/>
-        <p:cNvGrpSpPr/>
-        <p:nvPr/>
-      </p:nvGrpSpPr>
-      <p:grpSpPr>
-        <a:xfrm>
-          <a:off x="0" y="0"/>
-          <a:ext cx="0" cy="0"/>
-          <a:chOff x="0" y="0"/>
-          <a:chExt cx="0" cy="0"/>
-        </a:xfrm>
-      </p:grpSpPr>
-      <p:sp>
-        <p:nvSpPr>
-          <p:cNvPr id="2" name="Title 1"/>
-          <p:cNvSpPr>
-            <a:spLocks noGrp="1"/>
-          </p:cNvSpPr>
-          <p:nvPr>
-            <p:ph type="title"/>
-          </p:nvPr>
-        </p:nvSpPr>
-        <p:spPr/>
-        <p:txBody>
-          <a:bodyPr/>
-          <a:lstStyle/>
-          <a:p>
-            <a:r>
-              <a:rPr lang="en-GB" dirty="0" smtClean="0"/>
-              <a:t>Thank you</a:t>
-            </a:r>
-            <a:endParaRPr lang="en-GB" dirty="0"/>
-          </a:p>
-        </p:txBody>
-      </p:sp>
-      <p:sp>
-        <p:nvSpPr>
-          <p:cNvPr id="3" name="Content Placeholder 2"/>
-          <p:cNvSpPr>
-            <a:spLocks noGrp="1"/>
-          </p:cNvSpPr>
-          <p:nvPr>
-            <p:ph idx="1"/>
-          </p:nvPr>
-        </p:nvSpPr>
-        <p:spPr/>
-        <p:txBody>
-          <a:bodyPr/>
-          <a:lstStyle/>
-          <a:p>
-            <a:r>
-              <a:rPr lang="en-GB" dirty="0" smtClean="0"/>
-              <a:t>Any questions?</a:t>
-            </a:r>
-            <a:endParaRPr lang="en-GB" dirty="0"/>
-          </a:p>
-        </p:txBody>
-      </p:sp>
-    </p:spTree>
-    <p:extLst>
-      <p:ext uri="{BB962C8B-B14F-4D97-AF65-F5344CB8AC3E}">
-        <p14:creationId xmlns:p14="http://schemas.microsoft.com/office/powerpoint/2010/main" val="1680599391"/>
-      </p:ext>
-    </p:extLst>
-  </p:cSld>
-  <p:clrMapOvr>
-    <a:masterClrMapping/>
-  </p:clrMapOvr>
-</p:sld>
-</file>
-
 <file path=ppt/slides/slide2.xml><?xml version="1.0" encoding="utf-8"?>
 <p:sld xmlns:a="http://schemas.openxmlformats.org/drawingml/2006/main" xmlns:r="http://schemas.openxmlformats.org/officeDocument/2006/relationships" xmlns:p="http://schemas.openxmlformats.org/presentationml/2006/main">
   <p:cSld>
@@ -6534,14 +5896,47 @@
           <a:p>
             <a:r>
               <a:rPr lang="en-GB" dirty="0" smtClean="0"/>
-              <a:t>C++ only recently receive introspection capabilities</a:t>
-            </a:r>
-          </a:p>
-          <a:p>
+              <a:t>C++ lacks most introspection features present in other high level languages</a:t>
+            </a:r>
+          </a:p>
+          <a:p>
+            <a:pPr lvl="1"/>
             <a:r>
               <a:rPr lang="en-GB" dirty="0" smtClean="0"/>
-              <a:t>What it does have is still limited</a:t>
-            </a:r>
+              <a:t>Get number of members for a class and iterate through them.</a:t>
+            </a:r>
+          </a:p>
+          <a:p>
+            <a:pPr lvl="1"/>
+            <a:r>
+              <a:rPr lang="en-GB" dirty="0" smtClean="0"/>
+              <a:t>Test whether class actually has a specific member or not.</a:t>
+            </a:r>
+          </a:p>
+          <a:p>
+            <a:pPr lvl="1"/>
+            <a:r>
+              <a:rPr lang="en-GB" dirty="0" smtClean="0"/>
+              <a:t>Return a </a:t>
+            </a:r>
+            <a:r>
+              <a:rPr lang="en-GB" dirty="0" err="1" smtClean="0"/>
+              <a:t>boolen</a:t>
+            </a:r>
+            <a:r>
+              <a:rPr lang="en-GB" dirty="0" smtClean="0"/>
+              <a:t> for whether code will compile or not (useful for templates)</a:t>
+            </a:r>
+          </a:p>
+          <a:p>
+            <a:pPr lvl="1"/>
+            <a:r>
+              <a:rPr lang="en-GB" dirty="0" smtClean="0"/>
+              <a:t>Test whether something is a class or a function.</a:t>
+            </a:r>
+          </a:p>
+          <a:p>
+            <a:endParaRPr lang="en-GB" dirty="0" smtClean="0"/>
           </a:p>
         </p:txBody>
       </p:sp>
@@ -6592,7 +5987,7 @@
           <a:p>
             <a:r>
               <a:rPr lang="en-GB" dirty="0" smtClean="0"/>
-              <a:t>Solution</a:t>
+              <a:t>Current State of Introspection in C++</a:t>
             </a:r>
             <a:endParaRPr lang="en-GB" dirty="0"/>
           </a:p>
@@ -6615,13 +6010,105 @@
           <a:p>
             <a:r>
               <a:rPr lang="en-GB" dirty="0" smtClean="0"/>
-              <a:t>Separate piece of software which parses C++ files, outputs a .h with introspection data that can be included in the file.</a:t>
-            </a:r>
-          </a:p>
-          <a:p>
+              <a:t>Limit support within language (</a:t>
+            </a:r>
+            <a:r>
+              <a:rPr lang="en-GB" i="1" dirty="0" err="1" smtClean="0"/>
+              <a:t>sizeof</a:t>
+            </a:r>
             <a:r>
               <a:rPr lang="en-GB" dirty="0" smtClean="0"/>
-              <a:t>If I had modified an open source compiler to just allow the user to access the introspection data, then the user would be stuck using the custom compiler.</a:t>
+              <a:t>, </a:t>
+            </a:r>
+            <a:r>
+              <a:rPr lang="en-GB" i="1" dirty="0" err="1" smtClean="0"/>
+              <a:t>decltype</a:t>
+            </a:r>
+            <a:r>
+              <a:rPr lang="en-GB" i="1" dirty="0" smtClean="0"/>
+              <a:t>, </a:t>
+            </a:r>
+            <a:r>
+              <a:rPr lang="en-GB" i="1" dirty="0" err="1" smtClean="0"/>
+              <a:t>std</a:t>
+            </a:r>
+            <a:r>
+              <a:rPr lang="en-GB" i="1" dirty="0" smtClean="0"/>
+              <a:t>::</a:t>
+            </a:r>
+            <a:r>
+              <a:rPr lang="en-GB" i="1" dirty="0" err="1" smtClean="0"/>
+              <a:t>is_same</a:t>
+            </a:r>
+            <a:r>
+              <a:rPr lang="en-GB" i="1" dirty="0" smtClean="0"/>
+              <a:t>, </a:t>
+            </a:r>
+            <a:r>
+              <a:rPr lang="en-GB" i="1" dirty="0" err="1" smtClean="0"/>
+              <a:t>type_traits</a:t>
+            </a:r>
+            <a:r>
+              <a:rPr lang="en-GB" dirty="0" smtClean="0"/>
+              <a:t>)</a:t>
+            </a:r>
+          </a:p>
+          <a:p>
+            <a:r>
+              <a:rPr lang="en-GB" dirty="0" smtClean="0"/>
+              <a:t>Proposal by </a:t>
+            </a:r>
+            <a:r>
+              <a:rPr lang="en-GB" dirty="0" err="1" smtClean="0"/>
+              <a:t>Chochlik</a:t>
+            </a:r>
+            <a:r>
+              <a:rPr lang="en-GB" dirty="0" smtClean="0"/>
+              <a:t> and </a:t>
+            </a:r>
+            <a:r>
+              <a:rPr lang="en-GB" dirty="0" err="1" smtClean="0"/>
+              <a:t>Naumann</a:t>
+            </a:r>
+            <a:r>
+              <a:rPr lang="en-GB" dirty="0" smtClean="0"/>
+              <a:t> (2016) which introduces </a:t>
+            </a:r>
+            <a:r>
+              <a:rPr lang="en-GB" i="1" dirty="0" err="1" smtClean="0"/>
+              <a:t>reflexpr</a:t>
+            </a:r>
+            <a:r>
+              <a:rPr lang="en-GB" dirty="0" smtClean="0"/>
+              <a:t> keyword</a:t>
+            </a:r>
+          </a:p>
+          <a:p>
+            <a:r>
+              <a:rPr lang="en-GB" dirty="0" err="1" smtClean="0"/>
+              <a:t>Qt’s</a:t>
+            </a:r>
+            <a:r>
+              <a:rPr lang="en-GB" dirty="0" smtClean="0"/>
+              <a:t> </a:t>
+            </a:r>
+            <a:r>
+              <a:rPr lang="en-GB" dirty="0" err="1" smtClean="0"/>
+              <a:t>Moc</a:t>
+            </a:r>
+            <a:r>
+              <a:rPr lang="en-GB" dirty="0" smtClean="0"/>
+              <a:t> (Meta</a:t>
+            </a:r>
+            <a:r>
+              <a:rPr lang="en-GB" i="1" dirty="0" smtClean="0"/>
+              <a:t> Object Compiler)</a:t>
+            </a:r>
+          </a:p>
+          <a:p>
+            <a:r>
+              <a:rPr lang="en-GB" dirty="0" smtClean="0"/>
+              <a:t>Unreal Properties</a:t>
             </a:r>
           </a:p>
         </p:txBody>
@@ -6629,7 +6116,7 @@
     </p:spTree>
     <p:extLst>
       <p:ext uri="{BB962C8B-B14F-4D97-AF65-F5344CB8AC3E}">
-        <p14:creationId xmlns:p14="http://schemas.microsoft.com/office/powerpoint/2010/main" val="2048869072"/>
+        <p14:creationId xmlns:p14="http://schemas.microsoft.com/office/powerpoint/2010/main" val="3721974294"/>
       </p:ext>
     </p:extLst>
   </p:cSld>
@@ -6673,7 +6160,7 @@
           <a:p>
             <a:r>
               <a:rPr lang="en-GB" dirty="0" smtClean="0"/>
-              <a:t>Software Used</a:t>
+              <a:t>Solution</a:t>
             </a:r>
             <a:endParaRPr lang="en-GB" dirty="0"/>
           </a:p>
@@ -6696,36 +6183,36 @@
           <a:p>
             <a:r>
               <a:rPr lang="en-GB" dirty="0" smtClean="0"/>
-              <a:t>Sublime Text 3</a:t>
-            </a:r>
-          </a:p>
-          <a:p>
+              <a:t>Separate piece of software which parses C++ files, outputs a .</a:t>
+            </a:r>
+            <a:r>
+              <a:rPr lang="en-GB" dirty="0" err="1" smtClean="0"/>
+              <a:t>hpp</a:t>
+            </a:r>
             <a:r>
               <a:rPr lang="en-GB" dirty="0" smtClean="0"/>
-              <a:t>Visual Studio 2013</a:t>
+              <a:t> file with introspection data that can be included in the file.</a:t>
             </a:r>
           </a:p>
           <a:p>
             <a:r>
               <a:rPr lang="en-GB" dirty="0" smtClean="0"/>
-              <a:t>GDB</a:t>
-            </a:r>
-          </a:p>
-          <a:p>
+              <a:t>This approached was deemed the best.</a:t>
+            </a:r>
+          </a:p>
+          <a:p>
+            <a:pPr lvl="1"/>
             <a:r>
               <a:rPr lang="en-GB" dirty="0" smtClean="0"/>
-              <a:t>Clang 3.8</a:t>
-            </a:r>
-          </a:p>
-          <a:p>
-            <a:endParaRPr lang="en-GB" dirty="0"/>
+              <a:t>If I had modified an open source compiler to just allow the user to access the introspection data, then the user would be stuck using the custom compiler.</a:t>
+            </a:r>
           </a:p>
         </p:txBody>
       </p:sp>
     </p:spTree>
     <p:extLst>
       <p:ext uri="{BB962C8B-B14F-4D97-AF65-F5344CB8AC3E}">
-        <p14:creationId xmlns:p14="http://schemas.microsoft.com/office/powerpoint/2010/main" val="69308164"/>
+        <p14:creationId xmlns:p14="http://schemas.microsoft.com/office/powerpoint/2010/main" val="2048869072"/>
       </p:ext>
     </p:extLst>
   </p:cSld>
@@ -6769,7 +6256,7 @@
           <a:p>
             <a:r>
               <a:rPr lang="en-GB" dirty="0" smtClean="0"/>
-              <a:t>Other Languages</a:t>
+              <a:t>Goals</a:t>
             </a:r>
             <a:endParaRPr lang="en-GB" dirty="0"/>
           </a:p>
@@ -6792,48 +6279,31 @@
           <a:p>
             <a:r>
               <a:rPr lang="en-GB" dirty="0" smtClean="0"/>
-              <a:t>Most other languages have introspection capabilities</a:t>
+              <a:t>Easy to use. A very simple API which can be easily extended upon.</a:t>
             </a:r>
           </a:p>
           <a:p>
             <a:r>
               <a:rPr lang="en-GB" dirty="0" smtClean="0"/>
-              <a:t>Java/C# have strong introspection and reflection abilities.</a:t>
-            </a:r>
-          </a:p>
-          <a:p>
-            <a:pPr lvl="1"/>
+              <a:t>Very quick. Minimal overhead for querying introspection information.</a:t>
+            </a:r>
+          </a:p>
+          <a:p>
             <a:r>
               <a:rPr lang="en-GB" dirty="0" smtClean="0"/>
-              <a:t>The trade-off is that these often require the JIT, which can add runtime overhead.</a:t>
+              <a:t>Compatibility. Is compatible with any C++11 compiler.</a:t>
             </a:r>
           </a:p>
           <a:p>
             <a:r>
               <a:rPr lang="en-GB" dirty="0" smtClean="0"/>
-              <a:t>Some newer languages, like D, have strong compile-time introspection capabilities.</a:t>
-            </a:r>
-          </a:p>
-          <a:p>
-            <a:pPr lvl="1"/>
+              <a:t>Hard-to-mess-up interface. The interface is very simple.</a:t>
+            </a:r>
+          </a:p>
+          <a:p>
             <a:r>
               <a:rPr lang="en-GB" dirty="0" smtClean="0"/>
-              <a:t>Can query about </a:t>
-            </a:r>
-            <a:r>
-              <a:rPr lang="en-GB" dirty="0" err="1" smtClean="0"/>
-              <a:t>struct</a:t>
-            </a:r>
-            <a:r>
-              <a:rPr lang="en-GB" dirty="0" smtClean="0"/>
-              <a:t> members, function information, and even generate true/false based on whether specific code will compile.</a:t>
-            </a:r>
-          </a:p>
-          <a:p>
-            <a:pPr lvl="1"/>
-            <a:r>
-              <a:rPr lang="en-GB" dirty="0" smtClean="0"/>
-              <a:t>Sadly, D isn’t a very popular language.</a:t>
+              <a:t>No keywords introduced. It should work with vanilla C++ code, the only change required should be included the generated file.</a:t>
             </a:r>
             <a:endParaRPr lang="en-GB" dirty="0"/>
           </a:p>
@@ -6842,7 +6312,7 @@
     </p:spTree>
     <p:extLst>
       <p:ext uri="{BB962C8B-B14F-4D97-AF65-F5344CB8AC3E}">
-        <p14:creationId xmlns:p14="http://schemas.microsoft.com/office/powerpoint/2010/main" val="4059542996"/>
+        <p14:creationId xmlns:p14="http://schemas.microsoft.com/office/powerpoint/2010/main" val="1634867018"/>
       </p:ext>
     </p:extLst>
   </p:cSld>
@@ -6886,7 +6356,7 @@
           <a:p>
             <a:r>
               <a:rPr lang="en-GB" dirty="0" smtClean="0"/>
-              <a:t>Other tools</a:t>
+              <a:t>Using the tool</a:t>
             </a:r>
             <a:endParaRPr lang="en-GB" dirty="0"/>
           </a:p>
@@ -6904,109 +6374,137 @@
         </p:nvSpPr>
         <p:spPr/>
         <p:txBody>
-          <a:bodyPr>
-            <a:normAutofit lnSpcReduction="10000"/>
-          </a:bodyPr>
-          <a:lstStyle/>
-          <a:p>
+          <a:bodyPr/>
+          <a:lstStyle/>
+          <a:p>
+            <a:r>
+              <a:rPr lang="en-GB" dirty="0"/>
+              <a:t>It was designed to be very simple. Can just keep </a:t>
+            </a:r>
             <a:r>
               <a:rPr lang="en-GB" dirty="0" smtClean="0"/>
-              <a:t>Boost Serialization</a:t>
-            </a:r>
-          </a:p>
-          <a:p>
-            <a:pPr lvl="1"/>
+              <a:t>adding files onto the end.</a:t>
+            </a:r>
+            <a:endParaRPr lang="en-GB" dirty="0"/>
+          </a:p>
+          <a:p>
+            <a:pPr marL="0" indent="0">
+              <a:buNone/>
+            </a:pPr>
+            <a:endParaRPr lang="en-GB" i="1" dirty="0"/>
+          </a:p>
+          <a:p>
+            <a:pPr marL="0" indent="0">
+              <a:buNone/>
+            </a:pPr>
+            <a:r>
+              <a:rPr lang="en-GB" sz="1400" i="1" dirty="0" smtClean="0">
+                <a:latin typeface="Courier New" panose="02070309020205020404" pitchFamily="49" charset="0"/>
+                <a:cs typeface="Courier New" panose="02070309020205020404" pitchFamily="49" charset="0"/>
+              </a:rPr>
+              <a:t>	</a:t>
+            </a:r>
+            <a:r>
+              <a:rPr lang="en-GB" sz="1400" i="1" dirty="0" err="1" smtClean="0">
+                <a:latin typeface="Courier New" panose="02070309020205020404" pitchFamily="49" charset="0"/>
+                <a:cs typeface="Courier New" panose="02070309020205020404" pitchFamily="49" charset="0"/>
+              </a:rPr>
+              <a:t>preprocessor</a:t>
+            </a:r>
+            <a:r>
+              <a:rPr lang="en-GB" sz="1400" i="1" dirty="0" smtClean="0">
+                <a:latin typeface="Courier New" panose="02070309020205020404" pitchFamily="49" charset="0"/>
+                <a:cs typeface="Courier New" panose="02070309020205020404" pitchFamily="49" charset="0"/>
+              </a:rPr>
+              <a:t> test_code.cpp</a:t>
+            </a:r>
+          </a:p>
+          <a:p>
+            <a:pPr marL="0" indent="0">
+              <a:buNone/>
+            </a:pPr>
+            <a:r>
+              <a:rPr lang="en-GB" sz="1400" i="1" dirty="0" smtClean="0">
+                <a:latin typeface="Courier New" panose="02070309020205020404" pitchFamily="49" charset="0"/>
+                <a:cs typeface="Courier New" panose="02070309020205020404" pitchFamily="49" charset="0"/>
+              </a:rPr>
+              <a:t>	g++ test_code.cpp</a:t>
+            </a:r>
+          </a:p>
+          <a:p>
+            <a:pPr marL="0" indent="0">
+              <a:buNone/>
+            </a:pPr>
+            <a:endParaRPr lang="en-GB" i="1" dirty="0" smtClean="0"/>
+          </a:p>
+          <a:p>
             <a:r>
               <a:rPr lang="en-GB" dirty="0" smtClean="0"/>
-              <a:t>&lt;Befit&gt;</a:t>
-            </a:r>
-          </a:p>
-          <a:p>
-            <a:pPr lvl="1"/>
+              <a:t>This generates two files, </a:t>
+            </a:r>
+            <a:r>
+              <a:rPr lang="en-GB" i="1" dirty="0" err="1" smtClean="0"/>
+              <a:t>static_generated.h</a:t>
+            </a:r>
+            <a:r>
+              <a:rPr lang="en-GB" i="1" dirty="0" smtClean="0"/>
+              <a:t> </a:t>
+            </a:r>
             <a:r>
               <a:rPr lang="en-GB" dirty="0" smtClean="0"/>
-              <a:t>Requires a lot of setup code, has some limitation like &lt;list them&gt;</a:t>
-            </a:r>
-          </a:p>
-          <a:p>
-            <a:r>
-              <a:rPr lang="en-GB" dirty="0" err="1" smtClean="0"/>
-              <a:t>Qt</a:t>
+              <a:t>and </a:t>
+            </a:r>
+            <a:r>
+              <a:rPr lang="en-GB" i="1" dirty="0" err="1" smtClean="0"/>
+              <a:t>test_code_one_generated.h</a:t>
+            </a:r>
+            <a:r>
+              <a:rPr lang="en-GB" i="1" dirty="0" smtClean="0"/>
+              <a:t> </a:t>
             </a:r>
             <a:r>
               <a:rPr lang="en-GB" dirty="0" smtClean="0"/>
-              <a:t> and </a:t>
-            </a:r>
-            <a:r>
-              <a:rPr lang="en-GB" dirty="0" err="1" smtClean="0"/>
-              <a:t>Moc</a:t>
-            </a:r>
-            <a:endParaRPr lang="en-GB" dirty="0" smtClean="0"/>
-          </a:p>
-          <a:p>
-            <a:pPr lvl="1"/>
+              <a:t>and</a:t>
+            </a:r>
+            <a:r>
+              <a:rPr lang="en-GB" i="1" dirty="0" smtClean="0"/>
+              <a:t> test_code_two_generated.hpp </a:t>
+            </a:r>
             <a:r>
               <a:rPr lang="en-GB" dirty="0" smtClean="0"/>
-              <a:t>Some cool features, like get a pointer to a member variable by accessing it through a function which takes a string of the name.</a:t>
-            </a:r>
-          </a:p>
-          <a:p>
-            <a:pPr lvl="1"/>
+              <a:t>in a directory </a:t>
+            </a:r>
+            <a:r>
+              <a:rPr lang="en-GB" i="1" dirty="0" err="1" smtClean="0"/>
+              <a:t>pp_generated</a:t>
+            </a:r>
             <a:r>
               <a:rPr lang="en-GB" dirty="0" smtClean="0"/>
-              <a:t>Requires the entire </a:t>
-            </a:r>
-            <a:r>
-              <a:rPr lang="en-GB" dirty="0" err="1" smtClean="0"/>
-              <a:t>Qt</a:t>
+              <a:t>. Just need to include </a:t>
+            </a:r>
+            <a:r>
+              <a:rPr lang="en-GB" i="1" dirty="0" err="1" smtClean="0"/>
+              <a:t>test_code_generated.h</a:t>
             </a:r>
             <a:r>
               <a:rPr lang="en-GB" dirty="0" smtClean="0"/>
-              <a:t> framework to use </a:t>
-            </a:r>
-            <a:r>
-              <a:rPr lang="en-GB" dirty="0" err="1" smtClean="0"/>
-              <a:t>Moc</a:t>
+              <a:t> inside </a:t>
+            </a:r>
+            <a:r>
+              <a:rPr lang="en-GB" i="1" dirty="0" smtClean="0"/>
+              <a:t>test_code.cpp</a:t>
             </a:r>
             <a:r>
               <a:rPr lang="en-GB" dirty="0" smtClean="0"/>
-              <a:t>.</a:t>
-            </a:r>
-          </a:p>
-          <a:p>
-            <a:r>
-              <a:rPr lang="en-GB" dirty="0" smtClean="0"/>
-              <a:t>Unreal Property System</a:t>
-            </a:r>
-          </a:p>
-          <a:p>
-            <a:pPr lvl="1"/>
-            <a:r>
-              <a:rPr lang="en-GB" dirty="0" smtClean="0"/>
-              <a:t>Allows you to query about function and class data.</a:t>
-            </a:r>
-          </a:p>
-          <a:p>
-            <a:pPr lvl="1"/>
-            <a:r>
-              <a:rPr lang="en-GB" dirty="0" smtClean="0"/>
-              <a:t>Very tightly coupled to the Unreal Game Engine.</a:t>
-            </a:r>
-          </a:p>
-          <a:p>
-            <a:pPr lvl="1"/>
-            <a:r>
-              <a:rPr lang="en-GB" dirty="0" smtClean="0"/>
-              <a:t>Requires a lot of code to set up. And everything must be tagged in the code.</a:t>
-            </a:r>
-            <a:endParaRPr lang="en-GB" dirty="0"/>
+              <a:t> and you’re good to go.</a:t>
+            </a:r>
           </a:p>
         </p:txBody>
       </p:sp>
     </p:spTree>
     <p:extLst>
       <p:ext uri="{BB962C8B-B14F-4D97-AF65-F5344CB8AC3E}">
-        <p14:creationId xmlns:p14="http://schemas.microsoft.com/office/powerpoint/2010/main" val="426379880"/>
+        <p14:creationId xmlns:p14="http://schemas.microsoft.com/office/powerpoint/2010/main" val="1030460804"/>
       </p:ext>
     </p:extLst>
   </p:cSld>
@@ -7050,7 +6548,7 @@
           <a:p>
             <a:r>
               <a:rPr lang="en-GB" dirty="0" smtClean="0"/>
-              <a:t>Current state of introspection in C++</a:t>
+              <a:t>C++ Support</a:t>
             </a:r>
             <a:endParaRPr lang="en-GB" dirty="0"/>
           </a:p>
@@ -7066,127 +6564,115 @@
             <p:ph idx="1"/>
           </p:nvPr>
         </p:nvSpPr>
-        <p:spPr>
-          <a:xfrm>
-            <a:off x="677334" y="2160589"/>
-            <a:ext cx="8596668" cy="4588554"/>
-          </a:xfrm>
-        </p:spPr>
-        <p:txBody>
-          <a:bodyPr>
-            <a:normAutofit/>
-          </a:bodyPr>
-          <a:lstStyle/>
-          <a:p>
+        <p:spPr/>
+        <p:txBody>
+          <a:bodyPr/>
+          <a:lstStyle/>
+          <a:p>
+            <a:r>
+              <a:rPr lang="en-GB" dirty="0" err="1" smtClean="0"/>
+              <a:t>Enums</a:t>
+            </a:r>
+            <a:r>
+              <a:rPr lang="en-GB" dirty="0" smtClean="0"/>
+              <a:t> (C style and C++ </a:t>
+            </a:r>
             <a:r>
               <a:rPr lang="en-GB" i="1" dirty="0" err="1" smtClean="0"/>
-              <a:t>sizeof</a:t>
-            </a:r>
+              <a:t>enum</a:t>
+            </a:r>
+            <a:r>
+              <a:rPr lang="en-GB" i="1" dirty="0" smtClean="0"/>
+              <a:t> class</a:t>
+            </a:r>
+            <a:r>
+              <a:rPr lang="en-GB" dirty="0"/>
+              <a:t>)</a:t>
+            </a:r>
+            <a:endParaRPr lang="en-GB" dirty="0" smtClean="0"/>
+          </a:p>
+          <a:p>
             <a:r>
               <a:rPr lang="en-GB" dirty="0" smtClean="0"/>
-              <a:t> operator</a:t>
+              <a:t>Classes</a:t>
             </a:r>
           </a:p>
           <a:p>
             <a:pPr lvl="1"/>
             <a:r>
               <a:rPr lang="en-GB" dirty="0" smtClean="0"/>
-              <a:t>Easy to forget this is actually very primitive compile-time introspection.</a:t>
+              <a:t>Inheritance</a:t>
             </a:r>
           </a:p>
           <a:p>
             <a:pPr lvl="1"/>
             <a:r>
               <a:rPr lang="en-GB" dirty="0" smtClean="0"/>
-              <a:t>Very primitive introspection. Has been around as long as C and hasn’t really changed.</a:t>
-            </a:r>
-          </a:p>
-          <a:p>
-            <a:r>
-              <a:rPr lang="en-GB" i="1" dirty="0" err="1" smtClean="0"/>
-              <a:t>decltype</a:t>
-            </a:r>
-            <a:r>
-              <a:rPr lang="en-GB" i="1" dirty="0" smtClean="0"/>
-              <a:t> </a:t>
-            </a:r>
+              <a:t>Pointers, Pointers to Pointers, Arrays</a:t>
+            </a:r>
+          </a:p>
+          <a:p>
             <a:r>
               <a:rPr lang="en-GB" dirty="0" smtClean="0"/>
-              <a:t>operator</a:t>
+              <a:t>STL Containers</a:t>
             </a:r>
           </a:p>
           <a:p>
             <a:pPr lvl="1"/>
             <a:r>
+              <a:rPr lang="en-GB" dirty="0" err="1"/>
+              <a:t>std</a:t>
+            </a:r>
+            <a:r>
+              <a:rPr lang="en-GB" dirty="0"/>
+              <a:t>::vector</a:t>
+            </a:r>
+          </a:p>
+          <a:p>
+            <a:pPr lvl="1"/>
+            <a:r>
+              <a:rPr lang="en-GB" dirty="0" err="1"/>
+              <a:t>std</a:t>
+            </a:r>
+            <a:r>
+              <a:rPr lang="en-GB" dirty="0"/>
+              <a:t>::</a:t>
+            </a:r>
+            <a:r>
+              <a:rPr lang="en-GB" dirty="0" err="1"/>
+              <a:t>deque</a:t>
+            </a:r>
+            <a:endParaRPr lang="en-GB" dirty="0"/>
+          </a:p>
+          <a:p>
+            <a:pPr lvl="1"/>
+            <a:r>
+              <a:rPr lang="en-GB" dirty="0" err="1"/>
+              <a:t>std</a:t>
+            </a:r>
+            <a:r>
+              <a:rPr lang="en-GB" dirty="0"/>
+              <a:t>::</a:t>
+            </a:r>
+            <a:r>
+              <a:rPr lang="en-GB" dirty="0" err="1"/>
+              <a:t>forward_list</a:t>
+            </a:r>
+            <a:endParaRPr lang="en-GB" dirty="0"/>
+          </a:p>
+          <a:p>
+            <a:pPr lvl="1"/>
+            <a:r>
+              <a:rPr lang="en-GB" dirty="0" err="1"/>
+              <a:t>std</a:t>
+            </a:r>
+            <a:r>
+              <a:rPr lang="en-GB" dirty="0"/>
+              <a:t>::</a:t>
+            </a:r>
+            <a:r>
               <a:rPr lang="en-GB" dirty="0" smtClean="0"/>
-              <a:t>Added in C++, and can be used to get the type of a </a:t>
-            </a:r>
-            <a:r>
-              <a:rPr lang="en-GB" dirty="0" err="1" smtClean="0"/>
-              <a:t>struct</a:t>
-            </a:r>
-            <a:r>
-              <a:rPr lang="en-GB" dirty="0" smtClean="0"/>
-              <a:t>/primitive.</a:t>
-            </a:r>
-          </a:p>
-          <a:p>
-            <a:pPr lvl="1"/>
-            <a:r>
-              <a:rPr lang="en-GB" dirty="0" smtClean="0"/>
-              <a:t>Has some odd rules for dereferencing </a:t>
-            </a:r>
-            <a:r>
-              <a:rPr lang="en-GB" smtClean="0"/>
-              <a:t>a pointer.</a:t>
-            </a:r>
-            <a:endParaRPr lang="en-GB" dirty="0" smtClean="0"/>
-          </a:p>
-          <a:p>
-            <a:r>
-              <a:rPr lang="en-GB" dirty="0" err="1" smtClean="0"/>
-              <a:t>Chochlik</a:t>
-            </a:r>
-            <a:r>
-              <a:rPr lang="en-GB" dirty="0" smtClean="0"/>
-              <a:t> submitted a proposal to add introspection into C++ using </a:t>
-            </a:r>
-            <a:r>
-              <a:rPr lang="en-GB" i="1" dirty="0" err="1" smtClean="0"/>
-              <a:t>reflexpr</a:t>
-            </a:r>
-            <a:r>
-              <a:rPr lang="en-GB" dirty="0" smtClean="0"/>
-              <a:t> </a:t>
-            </a:r>
-            <a:r>
-              <a:rPr lang="en-GB" dirty="0" err="1" smtClean="0"/>
-              <a:t>keywork</a:t>
-            </a:r>
-            <a:r>
-              <a:rPr lang="en-GB" dirty="0" smtClean="0"/>
-              <a:t>.</a:t>
-            </a:r>
-          </a:p>
-          <a:p>
-            <a:pPr lvl="1"/>
-            <a:r>
-              <a:rPr lang="en-GB" dirty="0" smtClean="0"/>
-              <a:t>Is not currently accepted into any proposal.</a:t>
-            </a:r>
-          </a:p>
-          <a:p>
-            <a:pPr lvl="1"/>
-            <a:r>
-              <a:rPr lang="en-GB" dirty="0" smtClean="0"/>
-              <a:t>Could be years until it’s in a C++ spec. And longer until compilers actually support it.</a:t>
-            </a:r>
-          </a:p>
-          <a:p>
-            <a:pPr lvl="1"/>
-            <a:r>
-              <a:rPr lang="en-GB" dirty="0" smtClean="0"/>
-              <a:t>Awful error-prone syntax for querying information.</a:t>
+              <a:t>list</a:t>
             </a:r>
             <a:endParaRPr lang="en-GB" dirty="0"/>
           </a:p>
@@ -7195,7 +6681,7 @@
     </p:spTree>
     <p:extLst>
       <p:ext uri="{BB962C8B-B14F-4D97-AF65-F5344CB8AC3E}">
-        <p14:creationId xmlns:p14="http://schemas.microsoft.com/office/powerpoint/2010/main" val="1729907277"/>
+        <p14:creationId xmlns:p14="http://schemas.microsoft.com/office/powerpoint/2010/main" val="1035933829"/>
       </p:ext>
     </p:extLst>
   </p:cSld>
@@ -7239,7 +6725,7 @@
           <a:p>
             <a:r>
               <a:rPr lang="en-GB" dirty="0" smtClean="0"/>
-              <a:t>Goals</a:t>
+              <a:t>Further work</a:t>
             </a:r>
             <a:endParaRPr lang="en-GB" dirty="0"/>
           </a:p>
@@ -7262,40 +6748,60 @@
           <a:p>
             <a:r>
               <a:rPr lang="en-GB" dirty="0" smtClean="0"/>
-              <a:t>Easy to use. A very simple API which can be easily extended upon.</a:t>
-            </a:r>
-          </a:p>
-          <a:p>
+              <a:t>Function introspection</a:t>
+            </a:r>
+          </a:p>
+          <a:p>
+            <a:pPr lvl="1"/>
             <a:r>
               <a:rPr lang="en-GB" dirty="0" smtClean="0"/>
-              <a:t>Very quick. Minimal overhead for querying introspection information.</a:t>
+              <a:t>Query return type, parameter count, etc.</a:t>
             </a:r>
           </a:p>
           <a:p>
             <a:r>
               <a:rPr lang="en-GB" dirty="0" smtClean="0"/>
-              <a:t>Compatibility. Is compatible with any C++11 compiler.</a:t>
-            </a:r>
-          </a:p>
-          <a:p>
+              <a:t>Support more STL types (e.g. </a:t>
+            </a:r>
+            <a:r>
+              <a:rPr lang="en-GB" i="1" dirty="0" err="1" smtClean="0"/>
+              <a:t>std</a:t>
+            </a:r>
+            <a:r>
+              <a:rPr lang="en-GB" i="1" dirty="0" smtClean="0"/>
+              <a:t>::map</a:t>
+            </a:r>
             <a:r>
               <a:rPr lang="en-GB" dirty="0" smtClean="0"/>
-              <a:t>Hard-to-mess-up interface. The interface is very simple.</a:t>
+              <a:t>)</a:t>
             </a:r>
           </a:p>
           <a:p>
             <a:r>
               <a:rPr lang="en-GB" dirty="0" smtClean="0"/>
-              <a:t>No keywords introduced. It should work with vanilla C++ code, the only change required should be included the generated file.</a:t>
-            </a:r>
-            <a:endParaRPr lang="en-GB" dirty="0"/>
+              <a:t>Support custom containers</a:t>
+            </a:r>
+          </a:p>
+          <a:p>
+            <a:pPr lvl="1"/>
+            <a:r>
+              <a:rPr lang="en-GB" dirty="0" smtClean="0"/>
+              <a:t>Should be possible for containers which only define up to two template parameters.</a:t>
+            </a:r>
+          </a:p>
+          <a:p>
+            <a:pPr lvl="1"/>
+            <a:r>
+              <a:rPr lang="en-GB" dirty="0" smtClean="0"/>
+              <a:t>And define member functions necessary for the C++11 range-based for loops.</a:t>
+            </a:r>
           </a:p>
         </p:txBody>
       </p:sp>
     </p:spTree>
     <p:extLst>
       <p:ext uri="{BB962C8B-B14F-4D97-AF65-F5344CB8AC3E}">
-        <p14:creationId xmlns:p14="http://schemas.microsoft.com/office/powerpoint/2010/main" val="1634867018"/>
+        <p14:creationId xmlns:p14="http://schemas.microsoft.com/office/powerpoint/2010/main" val="2953848761"/>
       </p:ext>
     </p:extLst>
   </p:cSld>
@@ -7339,7 +6845,7 @@
           <a:p>
             <a:r>
               <a:rPr lang="en-GB" dirty="0" smtClean="0"/>
-              <a:t>Using the tool</a:t>
+              <a:t>Thank you</a:t>
             </a:r>
             <a:endParaRPr lang="en-GB" dirty="0"/>
           </a:p>
@@ -7361,88 +6867,17 @@
           <a:lstStyle/>
           <a:p>
             <a:r>
-              <a:rPr lang="en-GB" dirty="0"/>
-              <a:t>It was designed to be very simple. Can just keep </a:t>
-            </a:r>
-            <a:r>
               <a:rPr lang="en-GB" dirty="0" smtClean="0"/>
-              <a:t>adding files onto the end.</a:t>
+              <a:t>Any questions?</a:t>
             </a:r>
             <a:endParaRPr lang="en-GB" dirty="0"/>
-          </a:p>
-          <a:p>
-            <a:pPr marL="0" indent="0">
-              <a:buNone/>
-            </a:pPr>
-            <a:endParaRPr lang="en-GB" i="1" dirty="0"/>
-          </a:p>
-          <a:p>
-            <a:r>
-              <a:rPr lang="en-GB" i="1" dirty="0" err="1" smtClean="0"/>
-              <a:t>preprocessor</a:t>
-            </a:r>
-            <a:r>
-              <a:rPr lang="en-GB" i="1" dirty="0" smtClean="0"/>
-              <a:t> test_code_one.cpp test_code_two.cpp</a:t>
-            </a:r>
-          </a:p>
-          <a:p>
-            <a:r>
-              <a:rPr lang="en-GB" i="1" dirty="0" smtClean="0"/>
-              <a:t>g++ test_code_one.cpp test_code_two.cpp</a:t>
-            </a:r>
-          </a:p>
-          <a:p>
-            <a:endParaRPr lang="en-GB" i="1" dirty="0" smtClean="0"/>
-          </a:p>
-          <a:p>
-            <a:r>
-              <a:rPr lang="en-GB" dirty="0" smtClean="0"/>
-              <a:t>This generates two files, </a:t>
-            </a:r>
-            <a:r>
-              <a:rPr lang="en-GB" i="1" dirty="0" err="1" smtClean="0"/>
-              <a:t>test_code_one_generated.h</a:t>
-            </a:r>
-            <a:r>
-              <a:rPr lang="en-GB" i="1" dirty="0"/>
-              <a:t> </a:t>
-            </a:r>
-            <a:r>
-              <a:rPr lang="en-GB" dirty="0" smtClean="0"/>
-              <a:t>and</a:t>
-            </a:r>
-            <a:r>
-              <a:rPr lang="en-GB" i="1" dirty="0" smtClean="0"/>
-              <a:t> </a:t>
-            </a:r>
-            <a:r>
-              <a:rPr lang="en-GB" i="1" dirty="0" err="1" smtClean="0"/>
-              <a:t>test_code_two_generated.h</a:t>
-            </a:r>
-            <a:r>
-              <a:rPr lang="en-GB" i="1" dirty="0" smtClean="0"/>
-              <a:t> </a:t>
-            </a:r>
-            <a:r>
-              <a:rPr lang="en-GB" dirty="0" smtClean="0"/>
-              <a:t>in a directory </a:t>
-            </a:r>
-            <a:r>
-              <a:rPr lang="en-GB" i="1" dirty="0" err="1" smtClean="0"/>
-              <a:t>pp_generated</a:t>
-            </a:r>
-            <a:r>
-              <a:rPr lang="en-GB" dirty="0" smtClean="0"/>
-              <a:t>. Just include the file in the relevant file.</a:t>
-            </a:r>
           </a:p>
         </p:txBody>
       </p:sp>
     </p:spTree>
     <p:extLst>
       <p:ext uri="{BB962C8B-B14F-4D97-AF65-F5344CB8AC3E}">
-        <p14:creationId xmlns:p14="http://schemas.microsoft.com/office/powerpoint/2010/main" val="1030460804"/>
+        <p14:creationId xmlns:p14="http://schemas.microsoft.com/office/powerpoint/2010/main" val="1680599391"/>
       </p:ext>
     </p:extLst>
   </p:cSld>
